--- a/docs/Examples/Engines/IntegrateDesPtOffDes/Turbofan_ex01/makeFig.pptx
+++ b/docs/Examples/Engines/IntegrateDesPtOffDes/Turbofan_ex01/makeFig.pptx
@@ -18,9 +18,11 @@
     <p:sldId id="304" r:id="rId12"/>
     <p:sldId id="305" r:id="rId13"/>
     <p:sldId id="306" r:id="rId14"/>
-    <p:sldId id="295" r:id="rId15"/>
-    <p:sldId id="294" r:id="rId16"/>
-    <p:sldId id="293" r:id="rId17"/>
+    <p:sldId id="312" r:id="rId15"/>
+    <p:sldId id="313" r:id="rId16"/>
+    <p:sldId id="295" r:id="rId17"/>
+    <p:sldId id="294" r:id="rId18"/>
+    <p:sldId id="293" r:id="rId19"/>
   </p:sldIdLst>
   <p:sldSz cx="12192000" cy="6858000"/>
   <p:notesSz cx="6858000" cy="9144000"/>
@@ -4015,6 +4017,126 @@
           <a:chExt cx="0" cy="0"/>
         </a:xfrm>
       </p:grpSpPr>
+      <p:pic>
+        <p:nvPicPr>
+          <p:cNvPr id="3" name="図 2">
+            <a:extLst>
+              <a:ext uri="{FF2B5EF4-FFF2-40B4-BE49-F238E27FC236}">
+                <a16:creationId xmlns:a16="http://schemas.microsoft.com/office/drawing/2014/main" id="{1B0C672D-35BF-4DF4-BBBE-50B803BA9B32}"/>
+              </a:ext>
+            </a:extLst>
+          </p:cNvPr>
+          <p:cNvPicPr>
+            <a:picLocks noChangeAspect="1"/>
+          </p:cNvPicPr>
+          <p:nvPr/>
+        </p:nvPicPr>
+        <p:blipFill>
+          <a:blip r:embed="rId2"/>
+          <a:stretch>
+            <a:fillRect/>
+          </a:stretch>
+        </p:blipFill>
+        <p:spPr>
+          <a:xfrm>
+            <a:off x="1153179" y="0"/>
+            <a:ext cx="9885641" cy="6858000"/>
+          </a:xfrm>
+          <a:prstGeom prst="rect">
+            <a:avLst/>
+          </a:prstGeom>
+        </p:spPr>
+      </p:pic>
+    </p:spTree>
+    <p:extLst>
+      <p:ext uri="{BB962C8B-B14F-4D97-AF65-F5344CB8AC3E}">
+        <p14:creationId xmlns:p14="http://schemas.microsoft.com/office/powerpoint/2010/main" val="3924922435"/>
+      </p:ext>
+    </p:extLst>
+  </p:cSld>
+  <p:clrMapOvr>
+    <a:masterClrMapping/>
+  </p:clrMapOvr>
+</p:sld>
+</file>
+
+<file path=ppt/slides/slide15.xml><?xml version="1.0" encoding="utf-8"?>
+<p:sld xmlns:a="http://schemas.openxmlformats.org/drawingml/2006/main" xmlns:r="http://schemas.openxmlformats.org/officeDocument/2006/relationships" xmlns:p="http://schemas.openxmlformats.org/presentationml/2006/main">
+  <p:cSld>
+    <p:spTree>
+      <p:nvGrpSpPr>
+        <p:cNvPr id="1" name=""/>
+        <p:cNvGrpSpPr/>
+        <p:nvPr/>
+      </p:nvGrpSpPr>
+      <p:grpSpPr>
+        <a:xfrm>
+          <a:off x="0" y="0"/>
+          <a:ext cx="0" cy="0"/>
+          <a:chOff x="0" y="0"/>
+          <a:chExt cx="0" cy="0"/>
+        </a:xfrm>
+      </p:grpSpPr>
+      <p:pic>
+        <p:nvPicPr>
+          <p:cNvPr id="3" name="図 2">
+            <a:extLst>
+              <a:ext uri="{FF2B5EF4-FFF2-40B4-BE49-F238E27FC236}">
+                <a16:creationId xmlns:a16="http://schemas.microsoft.com/office/drawing/2014/main" id="{2C149CE6-9059-4D28-8358-CB29B9523B7C}"/>
+              </a:ext>
+            </a:extLst>
+          </p:cNvPr>
+          <p:cNvPicPr>
+            <a:picLocks noChangeAspect="1"/>
+          </p:cNvPicPr>
+          <p:nvPr/>
+        </p:nvPicPr>
+        <p:blipFill>
+          <a:blip r:embed="rId2"/>
+          <a:stretch>
+            <a:fillRect/>
+          </a:stretch>
+        </p:blipFill>
+        <p:spPr>
+          <a:xfrm>
+            <a:off x="1108764" y="0"/>
+            <a:ext cx="9974472" cy="6858000"/>
+          </a:xfrm>
+          <a:prstGeom prst="rect">
+            <a:avLst/>
+          </a:prstGeom>
+        </p:spPr>
+      </p:pic>
+    </p:spTree>
+    <p:extLst>
+      <p:ext uri="{BB962C8B-B14F-4D97-AF65-F5344CB8AC3E}">
+        <p14:creationId xmlns:p14="http://schemas.microsoft.com/office/powerpoint/2010/main" val="3578905363"/>
+      </p:ext>
+    </p:extLst>
+  </p:cSld>
+  <p:clrMapOvr>
+    <a:masterClrMapping/>
+  </p:clrMapOvr>
+</p:sld>
+</file>
+
+<file path=ppt/slides/slide16.xml><?xml version="1.0" encoding="utf-8"?>
+<p:sld xmlns:a="http://schemas.openxmlformats.org/drawingml/2006/main" xmlns:r="http://schemas.openxmlformats.org/officeDocument/2006/relationships" xmlns:p="http://schemas.openxmlformats.org/presentationml/2006/main">
+  <p:cSld>
+    <p:spTree>
+      <p:nvGrpSpPr>
+        <p:cNvPr id="1" name=""/>
+        <p:cNvGrpSpPr/>
+        <p:nvPr/>
+      </p:nvGrpSpPr>
+      <p:grpSpPr>
+        <a:xfrm>
+          <a:off x="0" y="0"/>
+          <a:ext cx="0" cy="0"/>
+          <a:chOff x="0" y="0"/>
+          <a:chExt cx="0" cy="0"/>
+        </a:xfrm>
+      </p:grpSpPr>
       <p:sp>
         <p:nvSpPr>
           <p:cNvPr id="4" name="テキスト ボックス 3"/>
@@ -4336,7 +4458,7 @@
 </p:sld>
 </file>
 
-<file path=ppt/slides/slide15.xml><?xml version="1.0" encoding="utf-8"?>
+<file path=ppt/slides/slide17.xml><?xml version="1.0" encoding="utf-8"?>
 <p:sld xmlns:a="http://schemas.openxmlformats.org/drawingml/2006/main" xmlns:r="http://schemas.openxmlformats.org/officeDocument/2006/relationships" xmlns:p="http://schemas.openxmlformats.org/presentationml/2006/main">
   <p:cSld>
     <p:spTree>
@@ -4442,7 +4564,7 @@
 </p:sld>
 </file>
 
-<file path=ppt/slides/slide16.xml><?xml version="1.0" encoding="utf-8"?>
+<file path=ppt/slides/slide18.xml><?xml version="1.0" encoding="utf-8"?>
 <p:sld xmlns:a="http://schemas.openxmlformats.org/drawingml/2006/main" xmlns:r="http://schemas.openxmlformats.org/officeDocument/2006/relationships" xmlns:p="http://schemas.openxmlformats.org/presentationml/2006/main">
   <p:cSld>
     <p:spTree>
